--- a/Tools/neural_network.pptx
+++ b/Tools/neural_network.pptx
@@ -243,7 +243,7 @@
           <a:p>
             <a:fld id="{46948F84-8C2A-4088-BB7D-4A3E79932AE8}" type="datetimeFigureOut">
               <a:rPr lang="en-ZA" smtClean="0"/>
-              <a:t>2017/03/19</a:t>
+              <a:t>2017/03/27</a:t>
             </a:fld>
             <a:endParaRPr lang="en-ZA"/>
           </a:p>
@@ -413,7 +413,7 @@
           <a:p>
             <a:fld id="{46948F84-8C2A-4088-BB7D-4A3E79932AE8}" type="datetimeFigureOut">
               <a:rPr lang="en-ZA" smtClean="0"/>
-              <a:t>2017/03/19</a:t>
+              <a:t>2017/03/27</a:t>
             </a:fld>
             <a:endParaRPr lang="en-ZA"/>
           </a:p>
@@ -593,7 +593,7 @@
           <a:p>
             <a:fld id="{46948F84-8C2A-4088-BB7D-4A3E79932AE8}" type="datetimeFigureOut">
               <a:rPr lang="en-ZA" smtClean="0"/>
-              <a:t>2017/03/19</a:t>
+              <a:t>2017/03/27</a:t>
             </a:fld>
             <a:endParaRPr lang="en-ZA"/>
           </a:p>
@@ -763,7 +763,7 @@
           <a:p>
             <a:fld id="{46948F84-8C2A-4088-BB7D-4A3E79932AE8}" type="datetimeFigureOut">
               <a:rPr lang="en-ZA" smtClean="0"/>
-              <a:t>2017/03/19</a:t>
+              <a:t>2017/03/27</a:t>
             </a:fld>
             <a:endParaRPr lang="en-ZA"/>
           </a:p>
@@ -1009,7 +1009,7 @@
           <a:p>
             <a:fld id="{46948F84-8C2A-4088-BB7D-4A3E79932AE8}" type="datetimeFigureOut">
               <a:rPr lang="en-ZA" smtClean="0"/>
-              <a:t>2017/03/19</a:t>
+              <a:t>2017/03/27</a:t>
             </a:fld>
             <a:endParaRPr lang="en-ZA"/>
           </a:p>
@@ -1241,7 +1241,7 @@
           <a:p>
             <a:fld id="{46948F84-8C2A-4088-BB7D-4A3E79932AE8}" type="datetimeFigureOut">
               <a:rPr lang="en-ZA" smtClean="0"/>
-              <a:t>2017/03/19</a:t>
+              <a:t>2017/03/27</a:t>
             </a:fld>
             <a:endParaRPr lang="en-ZA"/>
           </a:p>
@@ -1608,7 +1608,7 @@
           <a:p>
             <a:fld id="{46948F84-8C2A-4088-BB7D-4A3E79932AE8}" type="datetimeFigureOut">
               <a:rPr lang="en-ZA" smtClean="0"/>
-              <a:t>2017/03/19</a:t>
+              <a:t>2017/03/27</a:t>
             </a:fld>
             <a:endParaRPr lang="en-ZA"/>
           </a:p>
@@ -1726,7 +1726,7 @@
           <a:p>
             <a:fld id="{46948F84-8C2A-4088-BB7D-4A3E79932AE8}" type="datetimeFigureOut">
               <a:rPr lang="en-ZA" smtClean="0"/>
-              <a:t>2017/03/19</a:t>
+              <a:t>2017/03/27</a:t>
             </a:fld>
             <a:endParaRPr lang="en-ZA"/>
           </a:p>
@@ -1821,7 +1821,7 @@
           <a:p>
             <a:fld id="{46948F84-8C2A-4088-BB7D-4A3E79932AE8}" type="datetimeFigureOut">
               <a:rPr lang="en-ZA" smtClean="0"/>
-              <a:t>2017/03/19</a:t>
+              <a:t>2017/03/27</a:t>
             </a:fld>
             <a:endParaRPr lang="en-ZA"/>
           </a:p>
@@ -2098,7 +2098,7 @@
           <a:p>
             <a:fld id="{46948F84-8C2A-4088-BB7D-4A3E79932AE8}" type="datetimeFigureOut">
               <a:rPr lang="en-ZA" smtClean="0"/>
-              <a:t>2017/03/19</a:t>
+              <a:t>2017/03/27</a:t>
             </a:fld>
             <a:endParaRPr lang="en-ZA"/>
           </a:p>
@@ -2351,7 +2351,7 @@
           <a:p>
             <a:fld id="{46948F84-8C2A-4088-BB7D-4A3E79932AE8}" type="datetimeFigureOut">
               <a:rPr lang="en-ZA" smtClean="0"/>
-              <a:t>2017/03/19</a:t>
+              <a:t>2017/03/27</a:t>
             </a:fld>
             <a:endParaRPr lang="en-ZA"/>
           </a:p>
@@ -2564,7 +2564,7 @@
           <a:p>
             <a:fld id="{46948F84-8C2A-4088-BB7D-4A3E79932AE8}" type="datetimeFigureOut">
               <a:rPr lang="en-ZA" smtClean="0"/>
-              <a:t>2017/03/19</a:t>
+              <a:t>2017/03/27</a:t>
             </a:fld>
             <a:endParaRPr lang="en-ZA"/>
           </a:p>
@@ -4290,19 +4290,19 @@
               <a:prstGeom prst="straightConnector1">
                 <a:avLst/>
               </a:prstGeom>
-              <a:ln>
+              <a:ln w="12700">
                 <a:tailEnd type="triangle"/>
               </a:ln>
             </p:spPr>
             <p:style>
               <a:lnRef idx="1">
-                <a:schemeClr val="accent1"/>
+                <a:schemeClr val="dk1"/>
               </a:lnRef>
               <a:fillRef idx="0">
-                <a:schemeClr val="accent1"/>
+                <a:schemeClr val="dk1"/>
               </a:fillRef>
               <a:effectRef idx="0">
-                <a:schemeClr val="accent1"/>
+                <a:schemeClr val="dk1"/>
               </a:effectRef>
               <a:fontRef idx="minor">
                 <a:schemeClr val="tx1"/>
@@ -4453,8 +4453,8 @@
               </a:fontRef>
             </p:style>
           </p:cxnSp>
-          <mc:AlternateContent xmlns:mc="http://schemas.openxmlformats.org/markup-compatibility/2006" xmlns:a14="http://schemas.microsoft.com/office/drawing/2010/main">
-            <mc:Choice Requires="a14">
+          <mc:AlternateContent xmlns:mc="http://schemas.openxmlformats.org/markup-compatibility/2006">
+            <mc:Choice xmlns:a14="http://schemas.microsoft.com/office/drawing/2010/main" Requires="a14">
               <p:sp>
                 <p:nvSpPr>
                   <p:cNvPr id="35" name="TextBox 34"/>
@@ -4489,7 +4489,7 @@
                               <m:ctrlPr>
                                 <a:rPr lang="en-ZA" i="1" smtClean="0">
                                   <a:solidFill>
-                                    <a:schemeClr val="accent1"/>
+                                    <a:schemeClr val="tx1"/>
                                   </a:solidFill>
                                   <a:latin typeface="Cambria Math" panose="02040503050406030204" pitchFamily="18" charset="0"/>
                                 </a:rPr>
@@ -4499,7 +4499,7 @@
                               <m:r>
                                 <a:rPr lang="en-ZA" b="0" i="1" smtClean="0">
                                   <a:solidFill>
-                                    <a:schemeClr val="accent1"/>
+                                    <a:schemeClr val="tx1"/>
                                   </a:solidFill>
                                   <a:latin typeface="Cambria Math" panose="02040503050406030204" pitchFamily="18" charset="0"/>
                                 </a:rPr>
@@ -4510,7 +4510,7 @@
                               <m:r>
                                 <a:rPr lang="en-ZA" b="0" i="1" smtClean="0">
                                   <a:solidFill>
-                                    <a:schemeClr val="accent1"/>
+                                    <a:schemeClr val="tx1"/>
                                   </a:solidFill>
                                   <a:latin typeface="Cambria Math" panose="02040503050406030204" pitchFamily="18" charset="0"/>
                                 </a:rPr>
@@ -4526,7 +4526,7 @@
                 </p:txBody>
               </p:sp>
             </mc:Choice>
-            <mc:Fallback xmlns="">
+            <mc:Fallback>
               <p:sp>
                 <p:nvSpPr>
                   <p:cNvPr id="35" name="TextBox 34"/>
@@ -4565,8 +4565,8 @@
               </p:sp>
             </mc:Fallback>
           </mc:AlternateContent>
-          <mc:AlternateContent xmlns:mc="http://schemas.openxmlformats.org/markup-compatibility/2006" xmlns:a14="http://schemas.microsoft.com/office/drawing/2010/main">
-            <mc:Choice Requires="a14">
+          <mc:AlternateContent xmlns:mc="http://schemas.openxmlformats.org/markup-compatibility/2006">
+            <mc:Choice xmlns:a14="http://schemas.microsoft.com/office/drawing/2010/main" Requires="a14">
               <p:sp>
                 <p:nvSpPr>
                   <p:cNvPr id="36" name="TextBox 35"/>
@@ -4601,7 +4601,7 @@
                               <m:ctrlPr>
                                 <a:rPr lang="en-ZA" i="1" smtClean="0">
                                   <a:solidFill>
-                                    <a:schemeClr val="accent1"/>
+                                    <a:schemeClr val="tx1"/>
                                   </a:solidFill>
                                   <a:latin typeface="Cambria Math" panose="02040503050406030204" pitchFamily="18" charset="0"/>
                                 </a:rPr>
@@ -4611,7 +4611,7 @@
                               <m:r>
                                 <a:rPr lang="en-ZA" b="0" i="1" smtClean="0">
                                   <a:solidFill>
-                                    <a:schemeClr val="accent1"/>
+                                    <a:schemeClr val="tx1"/>
                                   </a:solidFill>
                                   <a:latin typeface="Cambria Math" panose="02040503050406030204" pitchFamily="18" charset="0"/>
                                 </a:rPr>
@@ -4622,7 +4622,7 @@
                               <m:r>
                                 <a:rPr lang="en-ZA" b="0" i="1" smtClean="0">
                                   <a:solidFill>
-                                    <a:schemeClr val="accent1"/>
+                                    <a:schemeClr val="tx1"/>
                                   </a:solidFill>
                                   <a:latin typeface="Cambria Math" panose="02040503050406030204" pitchFamily="18" charset="0"/>
                                 </a:rPr>
@@ -4642,7 +4642,7 @@
                 </p:txBody>
               </p:sp>
             </mc:Choice>
-            <mc:Fallback xmlns="">
+            <mc:Fallback>
               <p:sp>
                 <p:nvSpPr>
                   <p:cNvPr id="36" name="TextBox 35"/>
@@ -4717,7 +4717,7 @@
                               <m:ctrlPr>
                                 <a:rPr lang="en-ZA" i="1" smtClean="0">
                                   <a:solidFill>
-                                    <a:schemeClr val="accent1"/>
+                                    <a:schemeClr val="tx1"/>
                                   </a:solidFill>
                                   <a:latin typeface="Cambria Math" panose="02040503050406030204" pitchFamily="18" charset="0"/>
                                 </a:rPr>
@@ -4727,7 +4727,7 @@
                               <m:r>
                                 <a:rPr lang="en-ZA" b="0" i="1" smtClean="0">
                                   <a:solidFill>
-                                    <a:schemeClr val="accent1"/>
+                                    <a:schemeClr val="tx1"/>
                                   </a:solidFill>
                                   <a:latin typeface="Cambria Math" panose="02040503050406030204" pitchFamily="18" charset="0"/>
                                 </a:rPr>
@@ -4738,7 +4738,7 @@
                               <m:r>
                                 <a:rPr lang="en-ZA" b="0" i="1" smtClean="0">
                                   <a:solidFill>
-                                    <a:schemeClr val="accent1"/>
+                                    <a:schemeClr val="tx1"/>
                                   </a:solidFill>
                                   <a:latin typeface="Cambria Math" panose="02040503050406030204" pitchFamily="18" charset="0"/>
                                 </a:rPr>
@@ -4924,13 +4924,13 @@
             </p:spPr>
             <p:style>
               <a:lnRef idx="1">
-                <a:schemeClr val="accent1"/>
+                <a:schemeClr val="dk1"/>
               </a:lnRef>
               <a:fillRef idx="0">
-                <a:schemeClr val="accent1"/>
+                <a:schemeClr val="dk1"/>
               </a:fillRef>
               <a:effectRef idx="0">
-                <a:schemeClr val="accent1"/>
+                <a:schemeClr val="dk1"/>
               </a:effectRef>
               <a:fontRef idx="minor">
                 <a:schemeClr val="tx1"/>
@@ -5068,13 +5068,13 @@
             </p:spPr>
             <p:style>
               <a:lnRef idx="1">
-                <a:schemeClr val="accent1"/>
+                <a:schemeClr val="dk1"/>
               </a:lnRef>
               <a:fillRef idx="0">
-                <a:schemeClr val="accent1"/>
+                <a:schemeClr val="dk1"/>
               </a:fillRef>
               <a:effectRef idx="0">
-                <a:schemeClr val="accent1"/>
+                <a:schemeClr val="dk1"/>
               </a:effectRef>
               <a:fontRef idx="minor">
                 <a:schemeClr val="tx1"/>
@@ -5226,7 +5226,7 @@
                               <m:ctrlPr>
                                 <a:rPr lang="en-ZA" i="1" smtClean="0">
                                   <a:solidFill>
-                                    <a:schemeClr val="accent1"/>
+                                    <a:schemeClr val="tx1"/>
                                   </a:solidFill>
                                   <a:latin typeface="Cambria Math" panose="02040503050406030204" pitchFamily="18" charset="0"/>
                                 </a:rPr>
@@ -5236,7 +5236,7 @@
                               <m:r>
                                 <a:rPr lang="en-ZA" b="0" i="1" smtClean="0">
                                   <a:solidFill>
-                                    <a:schemeClr val="accent1"/>
+                                    <a:schemeClr val="tx1"/>
                                   </a:solidFill>
                                   <a:latin typeface="Cambria Math" panose="02040503050406030204" pitchFamily="18" charset="0"/>
                                 </a:rPr>
@@ -5247,7 +5247,7 @@
                               <m:r>
                                 <a:rPr lang="en-ZA" b="0" i="1" smtClean="0">
                                   <a:solidFill>
-                                    <a:schemeClr val="accent1"/>
+                                    <a:schemeClr val="tx1"/>
                                   </a:solidFill>
                                   <a:latin typeface="Cambria Math" panose="02040503050406030204" pitchFamily="18" charset="0"/>
                                 </a:rPr>
@@ -5364,13 +5364,13 @@
             </p:spPr>
             <p:style>
               <a:lnRef idx="1">
-                <a:schemeClr val="accent1"/>
+                <a:schemeClr val="dk1"/>
               </a:lnRef>
               <a:fillRef idx="0">
-                <a:schemeClr val="accent1"/>
+                <a:schemeClr val="dk1"/>
               </a:fillRef>
               <a:effectRef idx="0">
-                <a:schemeClr val="accent1"/>
+                <a:schemeClr val="dk1"/>
               </a:effectRef>
               <a:fontRef idx="minor">
                 <a:schemeClr val="tx1"/>
